--- a/AWS/AWS-Intro.pptx
+++ b/AWS/AWS-Intro.pptx
@@ -11,8 +11,8 @@
     <p:sldId id="266" r:id="rId5"/>
     <p:sldId id="267" r:id="rId6"/>
     <p:sldId id="270" r:id="rId7"/>
-    <p:sldId id="286" r:id="rId8"/>
-    <p:sldId id="282" r:id="rId9"/>
+    <p:sldId id="282" r:id="rId8"/>
+    <p:sldId id="286" r:id="rId9"/>
     <p:sldId id="269" r:id="rId10"/>
     <p:sldId id="281" r:id="rId11"/>
     <p:sldId id="283" r:id="rId12"/>
@@ -10125,10 +10125,10 @@
       </p:grpSpPr>
       <p:pic>
         <p:nvPicPr>
-          <p:cNvPr id="3" name="Picture 2" descr="Text&#10;&#10;Description automatically generated">
+          <p:cNvPr id="3" name="Picture 2" descr="Graphical user interface&#10;&#10;Description automatically generated">
             <a:extLst>
               <a:ext uri="{FF2B5EF4-FFF2-40B4-BE49-F238E27FC236}">
-                <a16:creationId xmlns:a16="http://schemas.microsoft.com/office/drawing/2014/main" id="{59C191EF-BA8B-E694-C6FC-B14DE718B8F6}"/>
+                <a16:creationId xmlns:a16="http://schemas.microsoft.com/office/drawing/2014/main" id="{F4EE5404-E9AE-87BE-0E42-E487E093D95E}"/>
               </a:ext>
             </a:extLst>
           </p:cNvPr>
@@ -10145,8 +10145,8 @@
         </p:blipFill>
         <p:spPr>
           <a:xfrm>
-            <a:off x="643467" y="702733"/>
-            <a:ext cx="10905066" cy="5452533"/>
+            <a:off x="961375" y="643466"/>
+            <a:ext cx="10269250" cy="5571067"/>
           </a:xfrm>
           <a:prstGeom prst="rect">
             <a:avLst/>
@@ -10156,7 +10156,7 @@
     </p:spTree>
     <p:extLst>
       <p:ext uri="{BB962C8B-B14F-4D97-AF65-F5344CB8AC3E}">
-        <p14:creationId xmlns:p14="http://schemas.microsoft.com/office/powerpoint/2010/main" val="2354283599"/>
+        <p14:creationId xmlns:p14="http://schemas.microsoft.com/office/powerpoint/2010/main" val="1278697532"/>
       </p:ext>
     </p:extLst>
   </p:cSld>
@@ -10193,10 +10193,10 @@
       </p:grpSpPr>
       <p:pic>
         <p:nvPicPr>
-          <p:cNvPr id="3" name="Picture 2" descr="Graphical user interface&#10;&#10;Description automatically generated">
+          <p:cNvPr id="3" name="Picture 2" descr="Text&#10;&#10;Description automatically generated">
             <a:extLst>
               <a:ext uri="{FF2B5EF4-FFF2-40B4-BE49-F238E27FC236}">
-                <a16:creationId xmlns:a16="http://schemas.microsoft.com/office/drawing/2014/main" id="{F4EE5404-E9AE-87BE-0E42-E487E093D95E}"/>
+                <a16:creationId xmlns:a16="http://schemas.microsoft.com/office/drawing/2014/main" id="{59C191EF-BA8B-E694-C6FC-B14DE718B8F6}"/>
               </a:ext>
             </a:extLst>
           </p:cNvPr>
@@ -10213,8 +10213,8 @@
         </p:blipFill>
         <p:spPr>
           <a:xfrm>
-            <a:off x="961375" y="643466"/>
-            <a:ext cx="10269250" cy="5571067"/>
+            <a:off x="643467" y="702733"/>
+            <a:ext cx="10905066" cy="5452533"/>
           </a:xfrm>
           <a:prstGeom prst="rect">
             <a:avLst/>
@@ -10224,7 +10224,7 @@
     </p:spTree>
     <p:extLst>
       <p:ext uri="{BB962C8B-B14F-4D97-AF65-F5344CB8AC3E}">
-        <p14:creationId xmlns:p14="http://schemas.microsoft.com/office/powerpoint/2010/main" val="1278697532"/>
+        <p14:creationId xmlns:p14="http://schemas.microsoft.com/office/powerpoint/2010/main" val="2354283599"/>
       </p:ext>
     </p:extLst>
   </p:cSld>
@@ -11561,6 +11561,15 @@
 </file>
 
 <file path=customXml/item1.xml><?xml version="1.0" encoding="utf-8"?>
+<?mso-contentType ?>
+<FormTemplates xmlns="http://schemas.microsoft.com/sharepoint/v3/contenttype/forms">
+  <Display>DocumentLibraryForm</Display>
+  <Edit>DocumentLibraryForm</Edit>
+  <New>DocumentLibraryForm</New>
+</FormTemplates>
+</file>
+
+<file path=customXml/item2.xml><?xml version="1.0" encoding="utf-8"?>
 <ct:contentTypeSchema xmlns:ct="http://schemas.microsoft.com/office/2006/metadata/contentType" xmlns:ma="http://schemas.microsoft.com/office/2006/metadata/properties/metaAttributes" ct:_="" ma:_="" ma:contentTypeName="Document" ma:contentTypeID="0x01010079F111ED35F8CC479449609E8A0923A6" ma:contentTypeVersion="11" ma:contentTypeDescription="Create a new document." ma:contentTypeScope="" ma:versionID="9677210f24a1be23c92c90fd886aa0aa">
   <xsd:schema xmlns:xsd="http://www.w3.org/2001/XMLSchema" xmlns:xs="http://www.w3.org/2001/XMLSchema" xmlns:p="http://schemas.microsoft.com/office/2006/metadata/properties" xmlns:ns2="71af3243-3dd4-4a8d-8c0d-dd76da1f02a5" xmlns:ns3="16c05727-aa75-4e4a-9b5f-8a80a1165891" targetNamespace="http://schemas.microsoft.com/office/2006/metadata/properties" ma:root="true" ma:fieldsID="60e05723c5c1908df1a1a4ebf11d344e" ns2:_="" ns3:_="">
     <xsd:import namespace="71af3243-3dd4-4a8d-8c0d-dd76da1f02a5"/>
@@ -11771,15 +11780,6 @@
 </ct:contentTypeSchema>
 </file>
 
-<file path=customXml/item2.xml><?xml version="1.0" encoding="utf-8"?>
-<?mso-contentType ?>
-<FormTemplates xmlns="http://schemas.microsoft.com/sharepoint/v3/contenttype/forms">
-  <Display>DocumentLibraryForm</Display>
-  <Edit>DocumentLibraryForm</Edit>
-  <New>DocumentLibraryForm</New>
-</FormTemplates>
-</file>
-
 <file path=customXml/item3.xml><?xml version="1.0" encoding="utf-8"?>
 <p:properties xmlns:p="http://schemas.microsoft.com/office/2006/metadata/properties" xmlns:xsi="http://www.w3.org/2001/XMLSchema-instance" xmlns:pc="http://schemas.microsoft.com/office/infopath/2007/PartnerControls">
   <documentManagement>
@@ -11789,6 +11789,14 @@
 </file>
 
 <file path=customXml/itemProps1.xml><?xml version="1.0" encoding="utf-8"?>
+<ds:datastoreItem xmlns:ds="http://schemas.openxmlformats.org/officeDocument/2006/customXml" ds:itemID="{8C45FB24-BEC6-4D44-888B-84AEBBA2DC09}">
+  <ds:schemaRefs>
+    <ds:schemaRef ds:uri="http://schemas.microsoft.com/sharepoint/v3/contenttype/forms"/>
+  </ds:schemaRefs>
+</ds:datastoreItem>
+</file>
+
+<file path=customXml/itemProps2.xml><?xml version="1.0" encoding="utf-8"?>
 <ds:datastoreItem xmlns:ds="http://schemas.openxmlformats.org/officeDocument/2006/customXml" ds:itemID="{07ECF6D8-9EA4-45A1-AFEB-B7C326AF0859}">
   <ds:schemaRefs>
     <ds:schemaRef ds:uri="http://schemas.microsoft.com/office/2006/metadata/contentType"/>
@@ -11807,14 +11815,6 @@
 </ds:datastoreItem>
 </file>
 
-<file path=customXml/itemProps2.xml><?xml version="1.0" encoding="utf-8"?>
-<ds:datastoreItem xmlns:ds="http://schemas.openxmlformats.org/officeDocument/2006/customXml" ds:itemID="{8C45FB24-BEC6-4D44-888B-84AEBBA2DC09}">
-  <ds:schemaRefs>
-    <ds:schemaRef ds:uri="http://schemas.microsoft.com/sharepoint/v3/contenttype/forms"/>
-  </ds:schemaRefs>
-</ds:datastoreItem>
-</file>
-
 <file path=customXml/itemProps3.xml><?xml version="1.0" encoding="utf-8"?>
 <ds:datastoreItem xmlns:ds="http://schemas.openxmlformats.org/officeDocument/2006/customXml" ds:itemID="{3FD9A38F-9A2C-42E5-9013-4C4B1FFCB4F6}">
   <ds:schemaRefs>
